--- a/Apresentacao_Modelagem.pptx
+++ b/Apresentacao_Modelagem.pptx
@@ -19,8 +19,8 @@
     <p:sldId id="276" r:id="rId13"/>
     <p:sldId id="280" r:id="rId14"/>
     <p:sldId id="281" r:id="rId15"/>
-    <p:sldId id="282" r:id="rId16"/>
-    <p:sldId id="283" r:id="rId17"/>
+    <p:sldId id="283" r:id="rId16"/>
+    <p:sldId id="282" r:id="rId17"/>
     <p:sldId id="268" r:id="rId18"/>
     <p:sldId id="265" r:id="rId19"/>
     <p:sldId id="267" r:id="rId20"/>
@@ -334,7 +334,7 @@
           <a:p>
             <a:fld id="{2E700DB3-DBF0-4086-B675-117E7A9610B8}" type="datetimeFigureOut">
               <a:rPr lang="pt-BR" smtClean="0"/>
-              <a:t>28/02/2021</a:t>
+              <a:t>03/03/2021</a:t>
             </a:fld>
             <a:endParaRPr lang="pt-BR"/>
           </a:p>
@@ -599,7 +599,7 @@
           <a:p>
             <a:fld id="{2E700DB3-DBF0-4086-B675-117E7A9610B8}" type="datetimeFigureOut">
               <a:rPr lang="pt-BR" smtClean="0"/>
-              <a:t>28/02/2021</a:t>
+              <a:t>03/03/2021</a:t>
             </a:fld>
             <a:endParaRPr lang="pt-BR"/>
           </a:p>
@@ -774,7 +774,7 @@
           <a:p>
             <a:fld id="{2E700DB3-DBF0-4086-B675-117E7A9610B8}" type="datetimeFigureOut">
               <a:rPr lang="pt-BR" smtClean="0"/>
-              <a:t>28/02/2021</a:t>
+              <a:t>03/03/2021</a:t>
             </a:fld>
             <a:endParaRPr lang="pt-BR"/>
           </a:p>
@@ -939,7 +939,7 @@
           <a:p>
             <a:fld id="{2E700DB3-DBF0-4086-B675-117E7A9610B8}" type="datetimeFigureOut">
               <a:rPr lang="pt-BR" smtClean="0"/>
-              <a:t>28/02/2021</a:t>
+              <a:t>03/03/2021</a:t>
             </a:fld>
             <a:endParaRPr lang="pt-BR"/>
           </a:p>
@@ -1188,7 +1188,7 @@
           <a:p>
             <a:fld id="{2E700DB3-DBF0-4086-B675-117E7A9610B8}" type="datetimeFigureOut">
               <a:rPr lang="pt-BR" smtClean="0"/>
-              <a:t>28/02/2021</a:t>
+              <a:t>03/03/2021</a:t>
             </a:fld>
             <a:endParaRPr lang="pt-BR"/>
           </a:p>
@@ -1471,7 +1471,7 @@
           <a:p>
             <a:fld id="{2E700DB3-DBF0-4086-B675-117E7A9610B8}" type="datetimeFigureOut">
               <a:rPr lang="pt-BR" smtClean="0"/>
-              <a:t>28/02/2021</a:t>
+              <a:t>03/03/2021</a:t>
             </a:fld>
             <a:endParaRPr lang="pt-BR"/>
           </a:p>
@@ -1910,7 +1910,7 @@
           <a:p>
             <a:fld id="{2E700DB3-DBF0-4086-B675-117E7A9610B8}" type="datetimeFigureOut">
               <a:rPr lang="pt-BR" smtClean="0"/>
-              <a:t>28/02/2021</a:t>
+              <a:t>03/03/2021</a:t>
             </a:fld>
             <a:endParaRPr lang="pt-BR"/>
           </a:p>
@@ -2023,7 +2023,7 @@
           <a:p>
             <a:fld id="{2E700DB3-DBF0-4086-B675-117E7A9610B8}" type="datetimeFigureOut">
               <a:rPr lang="pt-BR" smtClean="0"/>
-              <a:t>28/02/2021</a:t>
+              <a:t>03/03/2021</a:t>
             </a:fld>
             <a:endParaRPr lang="pt-BR"/>
           </a:p>
@@ -2113,7 +2113,7 @@
           <a:p>
             <a:fld id="{2E700DB3-DBF0-4086-B675-117E7A9610B8}" type="datetimeFigureOut">
               <a:rPr lang="pt-BR" smtClean="0"/>
-              <a:t>28/02/2021</a:t>
+              <a:t>03/03/2021</a:t>
             </a:fld>
             <a:endParaRPr lang="pt-BR"/>
           </a:p>
@@ -2355,7 +2355,7 @@
           <a:p>
             <a:fld id="{2E700DB3-DBF0-4086-B675-117E7A9610B8}" type="datetimeFigureOut">
               <a:rPr lang="pt-BR" smtClean="0"/>
-              <a:t>28/02/2021</a:t>
+              <a:t>03/03/2021</a:t>
             </a:fld>
             <a:endParaRPr lang="pt-BR"/>
           </a:p>
@@ -2649,7 +2649,7 @@
           <a:p>
             <a:fld id="{2E700DB3-DBF0-4086-B675-117E7A9610B8}" type="datetimeFigureOut">
               <a:rPr lang="pt-BR" smtClean="0"/>
-              <a:t>28/02/2021</a:t>
+              <a:t>03/03/2021</a:t>
             </a:fld>
             <a:endParaRPr lang="pt-BR"/>
           </a:p>
@@ -2943,7 +2943,7 @@
           <a:p>
             <a:fld id="{2E700DB3-DBF0-4086-B675-117E7A9610B8}" type="datetimeFigureOut">
               <a:rPr lang="pt-BR" smtClean="0"/>
-              <a:t>28/02/2021</a:t>
+              <a:t>03/03/2021</a:t>
             </a:fld>
             <a:endParaRPr lang="pt-BR"/>
           </a:p>
@@ -4560,7 +4560,7 @@
         <p:spPr>
           <a:xfrm>
             <a:off x="457200" y="152718"/>
-            <a:ext cx="8219256" cy="1116042"/>
+            <a:ext cx="8219256" cy="1371600"/>
           </a:xfrm>
         </p:spPr>
         <p:txBody>
@@ -4570,53 +4570,77 @@
           <a:lstStyle/>
           <a:p>
             <a:r>
-              <a:rPr lang="pt-BR" dirty="0" smtClean="0"/>
-              <a:t>Pousadaria –</a:t>
+              <a:rPr lang="pt-BR" sz="3200" dirty="0" smtClean="0"/>
+              <a:t>Pousadaria – </a:t>
             </a:r>
             <a:br>
-              <a:rPr lang="pt-BR" dirty="0" smtClean="0"/>
+              <a:rPr lang="pt-BR" sz="3200" dirty="0" smtClean="0"/>
             </a:br>
             <a:r>
-              <a:rPr lang="pt-BR" dirty="0" smtClean="0"/>
-              <a:t>Diagrama de implantação</a:t>
-            </a:r>
-            <a:endParaRPr lang="pt-BR" dirty="0"/>
-          </a:p>
-        </p:txBody>
-      </p:sp>
-      <p:pic>
-        <p:nvPicPr>
-          <p:cNvPr id="3" name="Imagem 2"/>
-          <p:cNvPicPr>
-            <a:picLocks noChangeAspect="1"/>
-          </p:cNvPicPr>
+              <a:rPr lang="pt-BR" sz="3200" dirty="0" smtClean="0"/>
+              <a:t>Estilo e padrão de arquitetura</a:t>
+            </a:r>
+            <a:endParaRPr lang="pt-BR" sz="3200" dirty="0"/>
+          </a:p>
+        </p:txBody>
+      </p:sp>
+      <p:sp>
+        <p:nvSpPr>
+          <p:cNvPr id="4" name="CaixaDeTexto 3"/>
+          <p:cNvSpPr txBox="1"/>
           <p:nvPr/>
-        </p:nvPicPr>
-        <p:blipFill rotWithShape="1">
-          <a:blip r:embed="rId2">
-            <a:extLst>
-              <a:ext uri="{28A0092B-C50C-407E-A947-70E740481C1C}">
-                <a14:useLocalDpi xmlns:a14="http://schemas.microsoft.com/office/drawing/2010/main" val="0"/>
-              </a:ext>
-            </a:extLst>
-          </a:blip>
-          <a:srcRect t="8859"/>
-          <a:stretch/>
-        </p:blipFill>
+        </p:nvSpPr>
         <p:spPr>
           <a:xfrm>
-            <a:off x="1547664" y="1556792"/>
-            <a:ext cx="6271778" cy="4176464"/>
+            <a:off x="484585" y="1772816"/>
+            <a:ext cx="8335887" cy="2308324"/>
           </a:xfrm>
           <a:prstGeom prst="rect">
             <a:avLst/>
           </a:prstGeom>
-        </p:spPr>
-      </p:pic>
+          <a:noFill/>
+        </p:spPr>
+        <p:txBody>
+          <a:bodyPr wrap="square" rtlCol="0">
+            <a:spAutoFit/>
+          </a:bodyPr>
+          <a:lstStyle/>
+          <a:p>
+            <a:pPr algn="just"/>
+            <a:r>
+              <a:rPr lang="pt-BR" dirty="0"/>
+              <a:t>O estilo e padrão de arquitetura adotado pelo sistema Pousadaria é o </a:t>
+            </a:r>
+            <a:r>
+              <a:rPr lang="pt-BR" b="1" dirty="0"/>
+              <a:t>Arquitetura em Camadas (padrão Layered). </a:t>
+            </a:r>
+            <a:endParaRPr lang="pt-BR" b="1" dirty="0" smtClean="0"/>
+          </a:p>
+          <a:p>
+            <a:pPr algn="just"/>
+            <a:endParaRPr lang="pt-BR" b="1" dirty="0"/>
+          </a:p>
+          <a:p>
+            <a:pPr algn="just"/>
+            <a:r>
+              <a:rPr lang="pt-BR" dirty="0" smtClean="0"/>
+              <a:t>Nele, </a:t>
+            </a:r>
+            <a:r>
+              <a:rPr lang="pt-BR" dirty="0"/>
+              <a:t>temos as camadas de interface do usuário (tkinter interfaces - Tk()), camadas intermediárias de controle dos bancos de dados (selecionacrudBD()) e camadas internas que fazem o CRUD propriamente dito dentro do Banco de dados escolhido.</a:t>
+            </a:r>
+          </a:p>
+          <a:p>
+            <a:endParaRPr lang="pt-BR" dirty="0"/>
+          </a:p>
+        </p:txBody>
+      </p:sp>
     </p:spTree>
     <p:extLst>
       <p:ext uri="{BB962C8B-B14F-4D97-AF65-F5344CB8AC3E}">
-        <p14:creationId xmlns:p14="http://schemas.microsoft.com/office/powerpoint/2010/main" val="323374030"/>
+        <p14:creationId xmlns:p14="http://schemas.microsoft.com/office/powerpoint/2010/main" val="1139294258"/>
       </p:ext>
     </p:extLst>
   </p:cSld>
@@ -4663,7 +4687,7 @@
         <p:spPr>
           <a:xfrm>
             <a:off x="457200" y="152718"/>
-            <a:ext cx="8219256" cy="1371600"/>
+            <a:ext cx="8219256" cy="1116042"/>
           </a:xfrm>
         </p:spPr>
         <p:txBody>
@@ -4673,77 +4697,53 @@
           <a:lstStyle/>
           <a:p>
             <a:r>
-              <a:rPr lang="pt-BR" sz="3200" dirty="0" smtClean="0"/>
-              <a:t>Pousadaria – </a:t>
+              <a:rPr lang="pt-BR" dirty="0" smtClean="0"/>
+              <a:t>Pousadaria –</a:t>
             </a:r>
             <a:br>
-              <a:rPr lang="pt-BR" sz="3200" dirty="0" smtClean="0"/>
+              <a:rPr lang="pt-BR" dirty="0" smtClean="0"/>
             </a:br>
             <a:r>
-              <a:rPr lang="pt-BR" sz="3200" dirty="0" smtClean="0"/>
-              <a:t>Estilo e padrão de arquitetura</a:t>
-            </a:r>
-            <a:endParaRPr lang="pt-BR" sz="3200" dirty="0"/>
-          </a:p>
-        </p:txBody>
-      </p:sp>
-      <p:sp>
-        <p:nvSpPr>
-          <p:cNvPr id="4" name="CaixaDeTexto 3"/>
-          <p:cNvSpPr txBox="1"/>
+              <a:rPr lang="pt-BR" dirty="0" smtClean="0"/>
+              <a:t>Diagrama de implantação</a:t>
+            </a:r>
+            <a:endParaRPr lang="pt-BR" dirty="0"/>
+          </a:p>
+        </p:txBody>
+      </p:sp>
+      <p:pic>
+        <p:nvPicPr>
+          <p:cNvPr id="3" name="Imagem 2"/>
+          <p:cNvPicPr>
+            <a:picLocks noChangeAspect="1"/>
+          </p:cNvPicPr>
           <p:nvPr/>
-        </p:nvSpPr>
+        </p:nvPicPr>
+        <p:blipFill rotWithShape="1">
+          <a:blip r:embed="rId2">
+            <a:extLst>
+              <a:ext uri="{28A0092B-C50C-407E-A947-70E740481C1C}">
+                <a14:useLocalDpi xmlns:a14="http://schemas.microsoft.com/office/drawing/2010/main" val="0"/>
+              </a:ext>
+            </a:extLst>
+          </a:blip>
+          <a:srcRect t="8859"/>
+          <a:stretch/>
+        </p:blipFill>
         <p:spPr>
           <a:xfrm>
-            <a:off x="484585" y="1772816"/>
-            <a:ext cx="8335887" cy="2308324"/>
+            <a:off x="1547664" y="1556792"/>
+            <a:ext cx="6271778" cy="4176464"/>
           </a:xfrm>
           <a:prstGeom prst="rect">
             <a:avLst/>
           </a:prstGeom>
-          <a:noFill/>
-        </p:spPr>
-        <p:txBody>
-          <a:bodyPr wrap="square" rtlCol="0">
-            <a:spAutoFit/>
-          </a:bodyPr>
-          <a:lstStyle/>
-          <a:p>
-            <a:pPr algn="just"/>
-            <a:r>
-              <a:rPr lang="pt-BR" dirty="0"/>
-              <a:t>O estilo e padrão de arquitetura adotado pelo sistema Pousadaria é o </a:t>
-            </a:r>
-            <a:r>
-              <a:rPr lang="pt-BR" b="1" dirty="0"/>
-              <a:t>Arquitetura em Camadas (padrão Layered). </a:t>
-            </a:r>
-            <a:endParaRPr lang="pt-BR" b="1" dirty="0" smtClean="0"/>
-          </a:p>
-          <a:p>
-            <a:pPr algn="just"/>
-            <a:endParaRPr lang="pt-BR" b="1" dirty="0"/>
-          </a:p>
-          <a:p>
-            <a:pPr algn="just"/>
-            <a:r>
-              <a:rPr lang="pt-BR" dirty="0" smtClean="0"/>
-              <a:t>Nele, </a:t>
-            </a:r>
-            <a:r>
-              <a:rPr lang="pt-BR" dirty="0"/>
-              <a:t>temos as camadas de interface do usuário (tkinter interfaces - Tk()), camadas intermediárias de controle dos bancos de dados (selecionacrudBD()) e camadas internas que fazem o CRUD propriamente dito dentro do Banco de dados escolhido.</a:t>
-            </a:r>
-          </a:p>
-          <a:p>
-            <a:endParaRPr lang="pt-BR" dirty="0"/>
-          </a:p>
-        </p:txBody>
-      </p:sp>
+        </p:spPr>
+      </p:pic>
     </p:spTree>
     <p:extLst>
       <p:ext uri="{BB962C8B-B14F-4D97-AF65-F5344CB8AC3E}">
-        <p14:creationId xmlns:p14="http://schemas.microsoft.com/office/powerpoint/2010/main" val="1139294258"/>
+        <p14:creationId xmlns:p14="http://schemas.microsoft.com/office/powerpoint/2010/main" val="323374030"/>
       </p:ext>
     </p:extLst>
   </p:cSld>
@@ -5309,8 +5309,29 @@
             </a:r>
             <a:r>
               <a:rPr lang="pt-BR" sz="1600" b="0" dirty="0"/>
-              <a:t>os stackholders são desde as pequenas pousadas regionais quanto às principais franquias de hotelaria do estado.</a:t>
-            </a:r>
+              <a:t>os </a:t>
+            </a:r>
+            <a:r>
+              <a:rPr lang="pt-BR" sz="1600" b="0" dirty="0" err="1"/>
+              <a:t>stackholders</a:t>
+            </a:r>
+            <a:r>
+              <a:rPr lang="pt-BR" sz="1600" b="0" dirty="0"/>
+              <a:t> </a:t>
+            </a:r>
+            <a:r>
+              <a:rPr lang="pt-BR" sz="1600" b="0" dirty="0" smtClean="0"/>
+              <a:t>são </a:t>
+            </a:r>
+            <a:r>
+              <a:rPr lang="pt-BR" sz="1600" b="0" dirty="0"/>
+              <a:t>as pequenas pousadas </a:t>
+            </a:r>
+            <a:r>
+              <a:rPr lang="pt-BR" sz="1600" b="0" dirty="0" smtClean="0"/>
+              <a:t>regionais.</a:t>
+            </a:r>
+            <a:endParaRPr lang="pt-BR" sz="1600" b="0" dirty="0"/>
           </a:p>
           <a:p>
             <a:pPr marL="285750" indent="-285750" algn="just">
